--- a/agile moves/Tomatoes (TOM)/ger/apprentice/ger_TOM_07_Wieviel_passt_in_eine_Tomate_AM_A.pptx
+++ b/agile moves/Tomatoes (TOM)/ger/apprentice/ger_TOM_07_Wieviel_passt_in_eine_Tomate_AM_A.pptx
@@ -6,7 +6,7 @@
   </p:sldMasterIdLst>
   <p:sldIdLst>
     <p:sldId id="257" r:id="rId2"/>
-    <p:sldId id="256" r:id="rId3"/>
+    <p:sldId id="258" r:id="rId3"/>
   </p:sldIdLst>
   <p:sldSz cx="7562850" cy="5330825"/>
   <p:notesSz cx="6858000" cy="9144000"/>
@@ -172,104 +172,35 @@
             <a:off x="1166813" y="973847"/>
             <a:ext cx="5293995" cy="462329"/>
           </a:xfrm>
+          <a:noFill/>
         </p:spPr>
         <p:txBody>
-          <a:bodyPr>
+          <a:bodyPr vert="horz" lIns="80678" tIns="40339" rIns="80678" bIns="40339" rtlCol="0">
             <a:normAutofit/>
           </a:bodyPr>
           <a:lstStyle>
-            <a:lvl1pPr marL="0" indent="0" algn="l">
-              <a:buNone/>
-              <a:defRPr sz="2300">
-                <a:solidFill>
-                  <a:srgbClr val="1191D1"/>
-                </a:solidFill>
+            <a:lvl1pPr>
+              <a:defRPr lang="de-DE" cap="all" dirty="0">
                 <a:latin typeface="Avenir Book"/>
                 <a:cs typeface="Avenir Book"/>
               </a:defRPr>
             </a:lvl1pPr>
-            <a:lvl2pPr marL="403388" indent="0" algn="ctr">
+          </a:lstStyle>
+          <a:p>
+            <a:pPr marL="171450" lvl="0" indent="-171450">
+              <a:lnSpc>
+                <a:spcPct val="150000"/>
+              </a:lnSpc>
+              <a:spcBef>
+                <a:spcPts val="0"/>
+              </a:spcBef>
+              <a:buClr>
+                <a:srgbClr val="229237"/>
+              </a:buClr>
+              <a:buSzPct val="250000"/>
+              <a:buFont typeface="Arial"/>
               <a:buNone/>
-              <a:defRPr>
-                <a:solidFill>
-                  <a:schemeClr val="tx1">
-                    <a:tint val="75000"/>
-                  </a:schemeClr>
-                </a:solidFill>
-              </a:defRPr>
-            </a:lvl2pPr>
-            <a:lvl3pPr marL="806775" indent="0" algn="ctr">
-              <a:buNone/>
-              <a:defRPr>
-                <a:solidFill>
-                  <a:schemeClr val="tx1">
-                    <a:tint val="75000"/>
-                  </a:schemeClr>
-                </a:solidFill>
-              </a:defRPr>
-            </a:lvl3pPr>
-            <a:lvl4pPr marL="1210163" indent="0" algn="ctr">
-              <a:buNone/>
-              <a:defRPr>
-                <a:solidFill>
-                  <a:schemeClr val="tx1">
-                    <a:tint val="75000"/>
-                  </a:schemeClr>
-                </a:solidFill>
-              </a:defRPr>
-            </a:lvl4pPr>
-            <a:lvl5pPr marL="1613550" indent="0" algn="ctr">
-              <a:buNone/>
-              <a:defRPr>
-                <a:solidFill>
-                  <a:schemeClr val="tx1">
-                    <a:tint val="75000"/>
-                  </a:schemeClr>
-                </a:solidFill>
-              </a:defRPr>
-            </a:lvl5pPr>
-            <a:lvl6pPr marL="2016938" indent="0" algn="ctr">
-              <a:buNone/>
-              <a:defRPr>
-                <a:solidFill>
-                  <a:schemeClr val="tx1">
-                    <a:tint val="75000"/>
-                  </a:schemeClr>
-                </a:solidFill>
-              </a:defRPr>
-            </a:lvl6pPr>
-            <a:lvl7pPr marL="2420325" indent="0" algn="ctr">
-              <a:buNone/>
-              <a:defRPr>
-                <a:solidFill>
-                  <a:schemeClr val="tx1">
-                    <a:tint val="75000"/>
-                  </a:schemeClr>
-                </a:solidFill>
-              </a:defRPr>
-            </a:lvl7pPr>
-            <a:lvl8pPr marL="2823713" indent="0" algn="ctr">
-              <a:buNone/>
-              <a:defRPr>
-                <a:solidFill>
-                  <a:schemeClr val="tx1">
-                    <a:tint val="75000"/>
-                  </a:schemeClr>
-                </a:solidFill>
-              </a:defRPr>
-            </a:lvl8pPr>
-            <a:lvl9pPr marL="3227100" indent="0" algn="ctr">
-              <a:buNone/>
-              <a:defRPr>
-                <a:solidFill>
-                  <a:schemeClr val="tx1">
-                    <a:tint val="75000"/>
-                  </a:schemeClr>
-                </a:solidFill>
-              </a:defRPr>
-            </a:lvl9pPr>
-          </a:lstStyle>
-          <a:p>
+            </a:pPr>
             <a:r>
               <a:rPr lang="de-DE" smtClean="0"/>
               <a:t>Master-Untertitelformat bearbeiten</a:t>
@@ -526,6 +457,36 @@
           </a:p>
         </p:txBody>
       </p:sp>
+      <p:pic>
+        <p:nvPicPr>
+          <p:cNvPr id="2" name="Bild 1" descr="apprentice.pdf"/>
+          <p:cNvPicPr>
+            <a:picLocks noChangeAspect="1"/>
+          </p:cNvPicPr>
+          <p:nvPr userDrawn="1"/>
+        </p:nvPicPr>
+        <p:blipFill>
+          <a:blip r:embed="rId2">
+            <a:extLst>
+              <a:ext uri="{28A0092B-C50C-407E-A947-70E740481C1C}">
+                <a14:useLocalDpi xmlns:a14="http://schemas.microsoft.com/office/drawing/2010/main" val="0"/>
+              </a:ext>
+            </a:extLst>
+          </a:blip>
+          <a:stretch>
+            <a:fillRect/>
+          </a:stretch>
+        </p:blipFill>
+        <p:spPr>
+          <a:xfrm>
+            <a:off x="5931750" y="3772306"/>
+            <a:ext cx="939800" cy="914400"/>
+          </a:xfrm>
+          <a:prstGeom prst="rect">
+            <a:avLst/>
+          </a:prstGeom>
+        </p:spPr>
+      </p:pic>
     </p:spTree>
     <p:extLst>
       <p:ext uri="{BB962C8B-B14F-4D97-AF65-F5344CB8AC3E}">
@@ -540,6 +501,408 @@
 </file>
 
 <file path=ppt/slideLayouts/slideLayout3.xml><?xml version="1.0" encoding="utf-8"?>
+<p:sldLayout xmlns:a="http://schemas.openxmlformats.org/drawingml/2006/main" xmlns:r="http://schemas.openxmlformats.org/officeDocument/2006/relationships" xmlns:p="http://schemas.openxmlformats.org/presentationml/2006/main" preserve="1" userDrawn="1">
+  <p:cSld name="1_Trainingsaufgaben">
+    <p:spTree>
+      <p:nvGrpSpPr>
+        <p:cNvPr id="1" name=""/>
+        <p:cNvGrpSpPr/>
+        <p:nvPr/>
+      </p:nvGrpSpPr>
+      <p:grpSpPr>
+        <a:xfrm>
+          <a:off x="0" y="0"/>
+          <a:ext cx="0" cy="0"/>
+          <a:chOff x="0" y="0"/>
+          <a:chExt cx="0" cy="0"/>
+        </a:xfrm>
+      </p:grpSpPr>
+      <p:sp>
+        <p:nvSpPr>
+          <p:cNvPr id="3" name="Inhaltsplatzhalter 2"/>
+          <p:cNvSpPr>
+            <a:spLocks noGrp="1"/>
+          </p:cNvSpPr>
+          <p:nvPr>
+            <p:ph idx="1"/>
+          </p:nvPr>
+        </p:nvSpPr>
+        <p:spPr>
+          <a:xfrm>
+            <a:off x="858838" y="1555750"/>
+            <a:ext cx="6011545" cy="3133835"/>
+          </a:xfrm>
+        </p:spPr>
+        <p:txBody>
+          <a:bodyPr/>
+          <a:lstStyle>
+            <a:lvl1pPr marL="263525" indent="-263525">
+              <a:lnSpc>
+                <a:spcPct val="150000"/>
+              </a:lnSpc>
+              <a:buSzPct val="170000"/>
+              <a:buFont typeface="Wingdings" charset="2"/>
+              <a:buChar char=""/>
+              <a:defRPr/>
+            </a:lvl1pPr>
+            <a:lvl2pPr marL="536575" indent="-252413">
+              <a:lnSpc>
+                <a:spcPct val="150000"/>
+              </a:lnSpc>
+              <a:buSzPct val="170000"/>
+              <a:buFont typeface="Wingdings" charset="2"/>
+              <a:buChar char=""/>
+              <a:tabLst/>
+              <a:defRPr/>
+            </a:lvl2pPr>
+            <a:lvl3pPr marL="1074738" indent="-268288">
+              <a:lnSpc>
+                <a:spcPct val="150000"/>
+              </a:lnSpc>
+              <a:buSzPct val="170000"/>
+              <a:buFont typeface="Wingdings" charset="2"/>
+              <a:buChar char=""/>
+              <a:defRPr/>
+            </a:lvl3pPr>
+            <a:lvl4pPr marL="1525588" indent="-315913">
+              <a:lnSpc>
+                <a:spcPct val="150000"/>
+              </a:lnSpc>
+              <a:buSzPct val="170000"/>
+              <a:buFont typeface="Wingdings" charset="2"/>
+              <a:buChar char=""/>
+              <a:defRPr/>
+            </a:lvl4pPr>
+            <a:lvl5pPr marL="1884363" indent="-271463">
+              <a:lnSpc>
+                <a:spcPct val="150000"/>
+              </a:lnSpc>
+              <a:buSzPct val="170000"/>
+              <a:buFont typeface="Wingdings" charset="2"/>
+              <a:buChar char=""/>
+              <a:defRPr/>
+            </a:lvl5pPr>
+          </a:lstStyle>
+          <a:p>
+            <a:pPr lvl="0"/>
+            <a:r>
+              <a:rPr lang="de-DE" smtClean="0"/>
+              <a:t>Mastertextformat bearbeiten</a:t>
+            </a:r>
+          </a:p>
+          <a:p>
+            <a:pPr lvl="1"/>
+            <a:r>
+              <a:rPr lang="de-DE" smtClean="0"/>
+              <a:t>Zweite Ebene</a:t>
+            </a:r>
+          </a:p>
+          <a:p>
+            <a:pPr lvl="2"/>
+            <a:r>
+              <a:rPr lang="de-DE" smtClean="0"/>
+              <a:t>Dritte Ebene</a:t>
+            </a:r>
+          </a:p>
+          <a:p>
+            <a:pPr lvl="3"/>
+            <a:r>
+              <a:rPr lang="de-DE" smtClean="0"/>
+              <a:t>Vierte Ebene</a:t>
+            </a:r>
+          </a:p>
+          <a:p>
+            <a:pPr lvl="4"/>
+            <a:r>
+              <a:rPr lang="de-DE" smtClean="0"/>
+              <a:t>Fünfte Ebene</a:t>
+            </a:r>
+            <a:endParaRPr lang="de-DE" dirty="0"/>
+          </a:p>
+        </p:txBody>
+      </p:sp>
+      <p:sp>
+        <p:nvSpPr>
+          <p:cNvPr id="12" name="Textfeld 11"/>
+          <p:cNvSpPr txBox="1"/>
+          <p:nvPr userDrawn="1"/>
+        </p:nvSpPr>
+        <p:spPr>
+          <a:xfrm>
+            <a:off x="1174413" y="860490"/>
+            <a:ext cx="3673457" cy="461665"/>
+          </a:xfrm>
+          <a:prstGeom prst="rect">
+            <a:avLst/>
+          </a:prstGeom>
+          <a:noFill/>
+        </p:spPr>
+        <p:txBody>
+          <a:bodyPr wrap="square" rtlCol="0">
+            <a:spAutoFit/>
+          </a:bodyPr>
+          <a:lstStyle/>
+          <a:p>
+            <a:r>
+              <a:rPr lang="de-DE" sz="2400" dirty="0" smtClean="0">
+                <a:solidFill>
+                  <a:srgbClr val="1191D1"/>
+                </a:solidFill>
+                <a:latin typeface="Avenir Heavy"/>
+                <a:cs typeface="Avenir Heavy"/>
+              </a:rPr>
+              <a:t>TRAININGS</a:t>
+            </a:r>
+            <a:r>
+              <a:rPr lang="de-DE" sz="2400" dirty="0" smtClean="0">
+                <a:solidFill>
+                  <a:srgbClr val="1191D1"/>
+                </a:solidFill>
+                <a:latin typeface="Avenir Light"/>
+                <a:cs typeface="Avenir Light"/>
+              </a:rPr>
+              <a:t>AUFGABEN</a:t>
+            </a:r>
+            <a:endParaRPr lang="de-DE" sz="2300" dirty="0">
+              <a:solidFill>
+                <a:srgbClr val="1191D1"/>
+              </a:solidFill>
+              <a:latin typeface="Avenir Light"/>
+              <a:cs typeface="Avenir Light"/>
+            </a:endParaRPr>
+          </a:p>
+        </p:txBody>
+      </p:sp>
+    </p:spTree>
+    <p:extLst>
+      <p:ext uri="{BB962C8B-B14F-4D97-AF65-F5344CB8AC3E}">
+        <p14:creationId xmlns:p14="http://schemas.microsoft.com/office/powerpoint/2010/main" val="8224757"/>
+      </p:ext>
+    </p:extLst>
+  </p:cSld>
+  <p:clrMapOvr>
+    <a:masterClrMapping/>
+  </p:clrMapOvr>
+</p:sldLayout>
+</file>
+
+<file path=ppt/slideLayouts/slideLayout4.xml><?xml version="1.0" encoding="utf-8"?>
+<p:sldLayout xmlns:a="http://schemas.openxmlformats.org/drawingml/2006/main" xmlns:r="http://schemas.openxmlformats.org/officeDocument/2006/relationships" xmlns:p="http://schemas.openxmlformats.org/presentationml/2006/main" preserve="1" userDrawn="1">
+  <p:cSld name="2_Trainingsaufgaben">
+    <p:spTree>
+      <p:nvGrpSpPr>
+        <p:cNvPr id="1" name=""/>
+        <p:cNvGrpSpPr/>
+        <p:nvPr/>
+      </p:nvGrpSpPr>
+      <p:grpSpPr>
+        <a:xfrm>
+          <a:off x="0" y="0"/>
+          <a:ext cx="0" cy="0"/>
+          <a:chOff x="0" y="0"/>
+          <a:chExt cx="0" cy="0"/>
+        </a:xfrm>
+      </p:grpSpPr>
+      <p:sp>
+        <p:nvSpPr>
+          <p:cNvPr id="3" name="Inhaltsplatzhalter 2"/>
+          <p:cNvSpPr>
+            <a:spLocks noGrp="1"/>
+          </p:cNvSpPr>
+          <p:nvPr>
+            <p:ph idx="1"/>
+          </p:nvPr>
+        </p:nvSpPr>
+        <p:spPr>
+          <a:xfrm>
+            <a:off x="858838" y="1555750"/>
+            <a:ext cx="6011545" cy="3133835"/>
+          </a:xfrm>
+        </p:spPr>
+        <p:txBody>
+          <a:bodyPr/>
+          <a:lstStyle>
+            <a:lvl1pPr marL="263525" indent="-263525">
+              <a:lnSpc>
+                <a:spcPct val="150000"/>
+              </a:lnSpc>
+              <a:buSzPct val="170000"/>
+              <a:buFont typeface="Wingdings" charset="2"/>
+              <a:buChar char=""/>
+              <a:defRPr/>
+            </a:lvl1pPr>
+            <a:lvl2pPr marL="536575" indent="-252413">
+              <a:lnSpc>
+                <a:spcPct val="150000"/>
+              </a:lnSpc>
+              <a:buSzPct val="170000"/>
+              <a:buFont typeface="Wingdings" charset="2"/>
+              <a:buChar char=""/>
+              <a:tabLst/>
+              <a:defRPr/>
+            </a:lvl2pPr>
+            <a:lvl3pPr marL="1074738" indent="-268288">
+              <a:lnSpc>
+                <a:spcPct val="150000"/>
+              </a:lnSpc>
+              <a:buSzPct val="170000"/>
+              <a:buFont typeface="Wingdings" charset="2"/>
+              <a:buChar char=""/>
+              <a:defRPr/>
+            </a:lvl3pPr>
+            <a:lvl4pPr marL="1525588" indent="-315913">
+              <a:lnSpc>
+                <a:spcPct val="150000"/>
+              </a:lnSpc>
+              <a:buSzPct val="170000"/>
+              <a:buFont typeface="Wingdings" charset="2"/>
+              <a:buChar char=""/>
+              <a:defRPr/>
+            </a:lvl4pPr>
+            <a:lvl5pPr marL="1884363" indent="-271463">
+              <a:lnSpc>
+                <a:spcPct val="150000"/>
+              </a:lnSpc>
+              <a:buSzPct val="170000"/>
+              <a:buFont typeface="Wingdings" charset="2"/>
+              <a:buChar char=""/>
+              <a:defRPr/>
+            </a:lvl5pPr>
+          </a:lstStyle>
+          <a:p>
+            <a:pPr lvl="0"/>
+            <a:r>
+              <a:rPr lang="de-DE" smtClean="0"/>
+              <a:t>Mastertextformat bearbeiten</a:t>
+            </a:r>
+          </a:p>
+          <a:p>
+            <a:pPr lvl="1"/>
+            <a:r>
+              <a:rPr lang="de-DE" smtClean="0"/>
+              <a:t>Zweite Ebene</a:t>
+            </a:r>
+          </a:p>
+          <a:p>
+            <a:pPr lvl="2"/>
+            <a:r>
+              <a:rPr lang="de-DE" smtClean="0"/>
+              <a:t>Dritte Ebene</a:t>
+            </a:r>
+          </a:p>
+          <a:p>
+            <a:pPr lvl="3"/>
+            <a:r>
+              <a:rPr lang="de-DE" smtClean="0"/>
+              <a:t>Vierte Ebene</a:t>
+            </a:r>
+          </a:p>
+          <a:p>
+            <a:pPr lvl="4"/>
+            <a:r>
+              <a:rPr lang="de-DE" smtClean="0"/>
+              <a:t>Fünfte Ebene</a:t>
+            </a:r>
+            <a:endParaRPr lang="de-DE" dirty="0"/>
+          </a:p>
+        </p:txBody>
+      </p:sp>
+      <p:sp>
+        <p:nvSpPr>
+          <p:cNvPr id="12" name="Textfeld 11"/>
+          <p:cNvSpPr txBox="1"/>
+          <p:nvPr userDrawn="1"/>
+        </p:nvSpPr>
+        <p:spPr>
+          <a:xfrm>
+            <a:off x="1174413" y="860490"/>
+            <a:ext cx="3673457" cy="461665"/>
+          </a:xfrm>
+          <a:prstGeom prst="rect">
+            <a:avLst/>
+          </a:prstGeom>
+          <a:noFill/>
+        </p:spPr>
+        <p:txBody>
+          <a:bodyPr wrap="square" rtlCol="0">
+            <a:spAutoFit/>
+          </a:bodyPr>
+          <a:lstStyle/>
+          <a:p>
+            <a:r>
+              <a:rPr lang="de-DE" sz="2400" dirty="0" smtClean="0">
+                <a:solidFill>
+                  <a:srgbClr val="1191D1"/>
+                </a:solidFill>
+                <a:latin typeface="Avenir Heavy"/>
+                <a:cs typeface="Avenir Heavy"/>
+              </a:rPr>
+              <a:t>TRAININGS</a:t>
+            </a:r>
+            <a:r>
+              <a:rPr lang="de-DE" sz="2400" dirty="0" smtClean="0">
+                <a:solidFill>
+                  <a:srgbClr val="1191D1"/>
+                </a:solidFill>
+                <a:latin typeface="Avenir Light"/>
+                <a:cs typeface="Avenir Light"/>
+              </a:rPr>
+              <a:t>AUFGABEN</a:t>
+            </a:r>
+            <a:endParaRPr lang="de-DE" sz="2300" dirty="0">
+              <a:solidFill>
+                <a:srgbClr val="1191D1"/>
+              </a:solidFill>
+              <a:latin typeface="Avenir Light"/>
+              <a:cs typeface="Avenir Light"/>
+            </a:endParaRPr>
+          </a:p>
+        </p:txBody>
+      </p:sp>
+      <p:pic>
+        <p:nvPicPr>
+          <p:cNvPr id="2" name="Bild 1" descr="am_Icon_master.pdf"/>
+          <p:cNvPicPr>
+            <a:picLocks noChangeAspect="1"/>
+          </p:cNvPicPr>
+          <p:nvPr userDrawn="1"/>
+        </p:nvPicPr>
+        <p:blipFill>
+          <a:blip r:embed="rId2">
+            <a:extLst>
+              <a:ext uri="{28A0092B-C50C-407E-A947-70E740481C1C}">
+                <a14:useLocalDpi xmlns:a14="http://schemas.microsoft.com/office/drawing/2010/main" val="0"/>
+              </a:ext>
+            </a:extLst>
+          </a:blip>
+          <a:stretch>
+            <a:fillRect/>
+          </a:stretch>
+        </p:blipFill>
+        <p:spPr>
+          <a:xfrm>
+            <a:off x="5943283" y="3737085"/>
+            <a:ext cx="927100" cy="952500"/>
+          </a:xfrm>
+          <a:prstGeom prst="rect">
+            <a:avLst/>
+          </a:prstGeom>
+        </p:spPr>
+      </p:pic>
+    </p:spTree>
+    <p:extLst>
+      <p:ext uri="{BB962C8B-B14F-4D97-AF65-F5344CB8AC3E}">
+        <p14:creationId xmlns:p14="http://schemas.microsoft.com/office/powerpoint/2010/main" val="1915368347"/>
+      </p:ext>
+    </p:extLst>
+  </p:cSld>
+  <p:clrMapOvr>
+    <a:masterClrMapping/>
+  </p:clrMapOvr>
+</p:sldLayout>
+</file>
+
+<file path=ppt/slideLayouts/slideLayout5.xml><?xml version="1.0" encoding="utf-8"?>
 <p:sldLayout xmlns:a="http://schemas.openxmlformats.org/drawingml/2006/main" xmlns:r="http://schemas.openxmlformats.org/officeDocument/2006/relationships" xmlns:p="http://schemas.openxmlformats.org/presentationml/2006/main" preserve="1" userDrawn="1">
   <p:cSld name="Überschrift einzeilig">
     <p:spTree>
@@ -663,7 +1026,7 @@
 </p:sldLayout>
 </file>
 
-<file path=ppt/slideLayouts/slideLayout4.xml><?xml version="1.0" encoding="utf-8"?>
+<file path=ppt/slideLayouts/slideLayout6.xml><?xml version="1.0" encoding="utf-8"?>
 <p:sldLayout xmlns:a="http://schemas.openxmlformats.org/drawingml/2006/main" xmlns:r="http://schemas.openxmlformats.org/officeDocument/2006/relationships" xmlns:p="http://schemas.openxmlformats.org/presentationml/2006/main" preserve="1">
   <p:cSld name="Benutzerdefiniertes Layout">
     <p:spTree>
@@ -725,7 +1088,7 @@
           <a:p>
             <a:fld id="{FF5B2BAF-DF38-0A48-A798-0C06E514FD52}" type="datetimeFigureOut">
               <a:rPr lang="de-DE" smtClean="0"/>
-              <a:t>09.07.15</a:t>
+              <a:t>13.08.15</a:t>
             </a:fld>
             <a:endParaRPr lang="de-DE" dirty="0"/>
           </a:p>
@@ -810,53 +1173,6 @@
       </p:grpSpPr>
       <p:sp>
         <p:nvSpPr>
-          <p:cNvPr id="12" name="Rechteck 11"/>
-          <p:cNvSpPr/>
-          <p:nvPr/>
-        </p:nvSpPr>
-        <p:spPr>
-          <a:xfrm>
-            <a:off x="0" y="0"/>
-            <a:ext cx="7562850" cy="5330825"/>
-          </a:xfrm>
-          <a:prstGeom prst="rect">
-            <a:avLst/>
-          </a:prstGeom>
-          <a:noFill/>
-          <a:ln>
-            <a:solidFill>
-              <a:schemeClr val="bg1">
-                <a:lumMod val="75000"/>
-              </a:schemeClr>
-            </a:solidFill>
-          </a:ln>
-          <a:effectLst/>
-        </p:spPr>
-        <p:style>
-          <a:lnRef idx="1">
-            <a:schemeClr val="accent1"/>
-          </a:lnRef>
-          <a:fillRef idx="3">
-            <a:schemeClr val="accent1"/>
-          </a:fillRef>
-          <a:effectRef idx="2">
-            <a:schemeClr val="accent1"/>
-          </a:effectRef>
-          <a:fontRef idx="minor">
-            <a:schemeClr val="lt1"/>
-          </a:fontRef>
-        </p:style>
-        <p:txBody>
-          <a:bodyPr rtlCol="0" anchor="ctr"/>
-          <a:lstStyle/>
-          <a:p>
-            <a:pPr algn="ctr"/>
-            <a:endParaRPr lang="de-DE"/>
-          </a:p>
-        </p:txBody>
-      </p:sp>
-      <p:sp>
-        <p:nvSpPr>
           <p:cNvPr id="2" name="Titelplatzhalter 1"/>
           <p:cNvSpPr>
             <a:spLocks noGrp="1"/>
@@ -995,7 +1311,7 @@
           <a:p>
             <a:fld id="{FF5B2BAF-DF38-0A48-A798-0C06E514FD52}" type="datetimeFigureOut">
               <a:rPr lang="de-DE" smtClean="0"/>
-              <a:t>09.07.15</a:t>
+              <a:t>13.08.15</a:t>
             </a:fld>
             <a:endParaRPr lang="de-DE" dirty="0"/>
           </a:p>
@@ -1226,27 +1542,7 @@
                 <a:latin typeface="Avenir Heavy"/>
                 <a:cs typeface="Avenir Heavy"/>
               </a:rPr>
-              <a:t>TOM</a:t>
-            </a:r>
-            <a:r>
-              <a:rPr lang="de-DE" sz="1050" b="1" baseline="0" dirty="0" smtClean="0">
-                <a:solidFill>
-                  <a:schemeClr val="bg1"/>
-                </a:solidFill>
-                <a:latin typeface="Avenir Heavy"/>
-                <a:cs typeface="Avenir Heavy"/>
-              </a:rPr>
-              <a:t> </a:t>
-            </a:r>
-            <a:r>
-              <a:rPr lang="de-DE" sz="1050" b="1" dirty="0" smtClean="0">
-                <a:solidFill>
-                  <a:schemeClr val="bg1"/>
-                </a:solidFill>
-                <a:latin typeface="Avenir Heavy"/>
-                <a:cs typeface="Avenir Heavy"/>
-              </a:rPr>
-              <a:t>07</a:t>
+              <a:t>TOM 07</a:t>
             </a:r>
             <a:endParaRPr lang="de-DE" sz="1050" b="1" dirty="0">
               <a:solidFill>
@@ -1267,7 +1563,7 @@
           <p:nvPr/>
         </p:nvPicPr>
         <p:blipFill rotWithShape="1">
-          <a:blip r:embed="rId6">
+          <a:blip r:embed="rId8">
             <a:extLst>
               <a:ext uri="{28A0092B-C50C-407E-A947-70E740481C1C}">
                 <a14:useLocalDpi xmlns:a14="http://schemas.microsoft.com/office/drawing/2010/main" val="0"/>
@@ -1287,6 +1583,51 @@
           </a:prstGeom>
         </p:spPr>
       </p:pic>
+      <p:sp>
+        <p:nvSpPr>
+          <p:cNvPr id="12" name="Rechteck 11"/>
+          <p:cNvSpPr/>
+          <p:nvPr/>
+        </p:nvSpPr>
+        <p:spPr>
+          <a:xfrm>
+            <a:off x="0" y="0"/>
+            <a:ext cx="7562850" cy="5330825"/>
+          </a:xfrm>
+          <a:prstGeom prst="rect">
+            <a:avLst/>
+          </a:prstGeom>
+          <a:noFill/>
+          <a:ln>
+            <a:solidFill>
+              <a:schemeClr val="tx1"/>
+            </a:solidFill>
+          </a:ln>
+          <a:effectLst/>
+        </p:spPr>
+        <p:style>
+          <a:lnRef idx="1">
+            <a:schemeClr val="accent1"/>
+          </a:lnRef>
+          <a:fillRef idx="3">
+            <a:schemeClr val="accent1"/>
+          </a:fillRef>
+          <a:effectRef idx="2">
+            <a:schemeClr val="accent1"/>
+          </a:effectRef>
+          <a:fontRef idx="minor">
+            <a:schemeClr val="lt1"/>
+          </a:fontRef>
+        </p:style>
+        <p:txBody>
+          <a:bodyPr rtlCol="0" anchor="ctr"/>
+          <a:lstStyle/>
+          <a:p>
+            <a:pPr algn="ctr"/>
+            <a:endParaRPr lang="de-DE"/>
+          </a:p>
+        </p:txBody>
+      </p:sp>
     </p:spTree>
     <p:extLst>
       <p:ext uri="{BB962C8B-B14F-4D97-AF65-F5344CB8AC3E}">
@@ -1298,8 +1639,10 @@
   <p:sldLayoutIdLst>
     <p:sldLayoutId id="2147483649" r:id="rId1"/>
     <p:sldLayoutId id="2147483650" r:id="rId2"/>
-    <p:sldLayoutId id="2147483652" r:id="rId3"/>
-    <p:sldLayoutId id="2147483651" r:id="rId4"/>
+    <p:sldLayoutId id="2147483653" r:id="rId3"/>
+    <p:sldLayoutId id="2147483654" r:id="rId4"/>
+    <p:sldLayoutId id="2147483652" r:id="rId5"/>
+    <p:sldLayoutId id="2147483651" r:id="rId6"/>
   </p:sldLayoutIdLst>
   <p:txStyles>
     <p:titleStyle>
@@ -1308,7 +1651,7 @@
           <a:spcPct val="0"/>
         </a:spcBef>
         <a:buNone/>
-        <a:defRPr lang="de-DE" sz="2400" b="0" kern="1200" baseline="0">
+        <a:defRPr lang="de-DE" sz="2400" b="0" kern="1200" cap="all" baseline="0">
           <a:solidFill>
             <a:srgbClr val="1191D1"/>
           </a:solidFill>
@@ -1329,7 +1672,7 @@
         <a:buSzPct val="190000"/>
         <a:buFontTx/>
         <a:buBlip>
-          <a:blip r:embed="rId7"/>
+          <a:blip r:embed="rId9"/>
         </a:buBlip>
         <a:defRPr sz="1000" kern="1200">
           <a:solidFill>
@@ -1350,7 +1693,7 @@
         <a:buSzPct val="190000"/>
         <a:buFontTx/>
         <a:buBlip>
-          <a:blip r:embed="rId7"/>
+          <a:blip r:embed="rId9"/>
         </a:buBlip>
         <a:defRPr sz="1000" kern="1200">
           <a:solidFill>
@@ -1371,7 +1714,7 @@
         <a:buSzPct val="190000"/>
         <a:buFontTx/>
         <a:buBlip>
-          <a:blip r:embed="rId7"/>
+          <a:blip r:embed="rId9"/>
         </a:buBlip>
         <a:defRPr sz="1000" kern="1200">
           <a:solidFill>
@@ -1392,7 +1735,7 @@
         <a:buSzPct val="190000"/>
         <a:buFontTx/>
         <a:buBlip>
-          <a:blip r:embed="rId7"/>
+          <a:blip r:embed="rId9"/>
         </a:buBlip>
         <a:defRPr sz="1000" kern="1200">
           <a:solidFill>
@@ -1413,7 +1756,7 @@
         <a:buSzPct val="190000"/>
         <a:buFontTx/>
         <a:buBlip>
-          <a:blip r:embed="rId7"/>
+          <a:blip r:embed="rId9"/>
         </a:buBlip>
         <a:defRPr sz="1000" kern="1200">
           <a:solidFill>
@@ -1603,7 +1946,7 @@
       </p:grpSpPr>
       <p:sp>
         <p:nvSpPr>
-          <p:cNvPr id="4" name="Titel 3"/>
+          <p:cNvPr id="2" name="Titel 1"/>
           <p:cNvSpPr>
             <a:spLocks noGrp="1"/>
           </p:cNvSpPr>
@@ -1613,8 +1956,8 @@
         </p:nvSpPr>
         <p:spPr>
           <a:xfrm>
-            <a:off x="1166813" y="877253"/>
-            <a:ext cx="5542786" cy="461665"/>
+            <a:off x="1166812" y="674138"/>
+            <a:ext cx="5822855" cy="461665"/>
           </a:xfrm>
         </p:spPr>
         <p:txBody>
@@ -1622,26 +1965,71 @@
           <a:lstStyle/>
           <a:p>
             <a:r>
-              <a:rPr lang="de-DE" dirty="0" smtClean="0"/>
+              <a:rPr lang="de-DE" dirty="0"/>
               <a:t>WIEVIEL PASST </a:t>
             </a:r>
             <a:r>
-              <a:rPr lang="de-DE" dirty="0" smtClean="0">
+              <a:rPr lang="de-DE" dirty="0">
                 <a:latin typeface="Avenir Light"/>
                 <a:cs typeface="Avenir Light"/>
               </a:rPr>
               <a:t>IN EINE TOMATE?</a:t>
             </a:r>
-            <a:endParaRPr lang="de-DE" dirty="0">
-              <a:latin typeface="Avenir Light"/>
-              <a:cs typeface="Avenir Light"/>
-            </a:endParaRPr>
+            <a:endParaRPr lang="de-DE" cap="all" dirty="0"/>
           </a:p>
         </p:txBody>
       </p:sp>
       <p:sp>
         <p:nvSpPr>
-          <p:cNvPr id="5" name="Inhaltsplatzhalter 4"/>
+          <p:cNvPr id="3" name="Untertitel 2"/>
+          <p:cNvSpPr>
+            <a:spLocks noGrp="1"/>
+          </p:cNvSpPr>
+          <p:nvPr>
+            <p:ph type="subTitle" idx="1"/>
+          </p:nvPr>
+        </p:nvSpPr>
+        <p:spPr>
+          <a:noFill/>
+        </p:spPr>
+        <p:txBody>
+          <a:bodyPr vert="horz" lIns="80678" tIns="40339" rIns="80678" bIns="40339" rtlCol="0">
+            <a:normAutofit/>
+          </a:bodyPr>
+          <a:lstStyle/>
+          <a:p>
+            <a:pPr marL="0" indent="0">
+              <a:lnSpc>
+                <a:spcPct val="150000"/>
+              </a:lnSpc>
+              <a:spcBef>
+                <a:spcPts val="0"/>
+              </a:spcBef>
+              <a:buClr>
+                <a:srgbClr val="229237"/>
+              </a:buClr>
+              <a:buSzPct val="250000"/>
+              <a:buNone/>
+            </a:pPr>
+            <a:r>
+              <a:rPr lang="de-DE" dirty="0" smtClean="0"/>
+              <a:t>Regina </a:t>
+            </a:r>
+            <a:r>
+              <a:rPr lang="de-DE" dirty="0" err="1" smtClean="0"/>
+              <a:t>Brandhuber</a:t>
+            </a:r>
+            <a:endParaRPr lang="de-DE" sz="1000" cap="all" dirty="0">
+              <a:solidFill>
+                <a:srgbClr val="5D5E5F"/>
+              </a:solidFill>
+            </a:endParaRPr>
+          </a:p>
+        </p:txBody>
+      </p:sp>
+      <p:sp>
+        <p:nvSpPr>
+          <p:cNvPr id="4" name="Inhaltsplatzhalter 3"/>
           <p:cNvSpPr>
             <a:spLocks noGrp="1"/>
           </p:cNvSpPr>
@@ -1651,35 +2039,58 @@
         </p:nvSpPr>
         <p:spPr>
           <a:xfrm>
-            <a:off x="858838" y="1568451"/>
-            <a:ext cx="6608762" cy="3555015"/>
+            <a:off x="858838" y="1568452"/>
+            <a:ext cx="6256857" cy="3404884"/>
           </a:xfrm>
         </p:spPr>
         <p:txBody>
           <a:bodyPr>
-            <a:normAutofit fontScale="85000" lnSpcReduction="20000"/>
+            <a:noAutofit/>
           </a:bodyPr>
           <a:lstStyle/>
+          <a:p>
+            <a:pPr>
+              <a:lnSpc>
+                <a:spcPct val="150000"/>
+              </a:lnSpc>
+              <a:spcBef>
+                <a:spcPts val="800"/>
+              </a:spcBef>
+            </a:pPr>
+            <a:r>
+              <a:rPr lang="de-DE" sz="1200" dirty="0"/>
+              <a:t>Erfolgreiches Zeitmanagement braucht eine Wahrnehmung, was Du den ganzen Tag tust und </a:t>
+            </a:r>
+            <a:r>
+              <a:rPr lang="de-DE" sz="1200" dirty="0" err="1"/>
+              <a:t>wieviel</a:t>
+            </a:r>
+            <a:r>
+              <a:rPr lang="de-DE" sz="1200" dirty="0"/>
+              <a:t> Zeit es kostet. </a:t>
+            </a:r>
+            <a:endParaRPr lang="de-DE" sz="1200" dirty="0" smtClean="0"/>
+          </a:p>
           <a:p>
             <a:pPr>
               <a:lnSpc>
                 <a:spcPct val="110000"/>
               </a:lnSpc>
               <a:spcBef>
-                <a:spcPts val="400"/>
+                <a:spcPts val="600"/>
               </a:spcBef>
             </a:pPr>
             <a:r>
-              <a:rPr lang="de-DE" dirty="0"/>
-              <a:t>Bei den meisten Aufgaben, die man täglich bewältigt, achtet man nicht genau auf die Zeit. Man kombiniert vielleicht </a:t>
-            </a:r>
-            <a:r>
-              <a:rPr lang="de-DE" dirty="0" smtClean="0"/>
-              <a:t>verschiedene </a:t>
-            </a:r>
-            <a:r>
-              <a:rPr lang="de-DE" dirty="0"/>
-              <a:t>Tätigkeiten, macht dies und das und schwupp...ist die Zeit vorbei. </a:t>
+              <a:rPr lang="de-DE" sz="1200" dirty="0" smtClean="0"/>
+              <a:t>Um </a:t>
+            </a:r>
+            <a:r>
+              <a:rPr lang="de-DE" sz="1200" dirty="0"/>
+              <a:t>Deine Wahrnehmung zu schulen, kannst Du beginnen Dir ein konkretes Zeitfenster zu setzen um herauszufinden, was Du in dieser Zeit alles schaffen kannst</a:t>
+            </a:r>
+            <a:r>
+              <a:rPr lang="de-DE" sz="1200" dirty="0" smtClean="0"/>
+              <a:t>.</a:t>
             </a:r>
           </a:p>
           <a:p>
@@ -1688,116 +2099,29 @@
                 <a:spcPct val="110000"/>
               </a:lnSpc>
               <a:spcBef>
-                <a:spcPts val="400"/>
+                <a:spcPts val="600"/>
               </a:spcBef>
             </a:pPr>
             <a:r>
-              <a:rPr lang="de-DE" dirty="0"/>
-              <a:t>Wenn ich mir </a:t>
-            </a:r>
-            <a:r>
-              <a:rPr lang="de-DE" dirty="0" smtClean="0"/>
-              <a:t>ein Zeitfenster setze und einen</a:t>
-            </a:r>
-            <a:r>
-              <a:rPr lang="de-DE" dirty="0"/>
+              <a:rPr lang="de-DE" sz="1200" dirty="0" smtClean="0"/>
+              <a:t>Einen</a:t>
+            </a:r>
+            <a:r>
+              <a:rPr lang="de-DE" sz="1200" dirty="0"/>
               <a:t> </a:t>
             </a:r>
             <a:r>
-              <a:rPr lang="de-DE" dirty="0" err="1"/>
+              <a:rPr lang="de-DE" sz="1200" dirty="0" err="1"/>
               <a:t>Timer</a:t>
             </a:r>
             <a:r>
-              <a:rPr lang="de-DE" dirty="0"/>
-              <a:t> stelle, </a:t>
-            </a:r>
-            <a:r>
-              <a:rPr lang="de-DE" dirty="0" smtClean="0"/>
-              <a:t>der mir ein Signal gibt, wenn es vorüber ist, </a:t>
-            </a:r>
-            <a:r>
-              <a:rPr lang="de-DE" dirty="0"/>
-              <a:t>kann </a:t>
-            </a:r>
-            <a:r>
-              <a:rPr lang="de-DE" dirty="0" smtClean="0"/>
-              <a:t>ich</a:t>
-            </a:r>
-            <a:br>
-              <a:rPr lang="de-DE" dirty="0" smtClean="0"/>
-            </a:br>
-            <a:r>
-              <a:rPr lang="de-DE" dirty="0" smtClean="0"/>
-              <a:t> </a:t>
-            </a:r>
-            <a:r>
-              <a:rPr lang="de-DE" dirty="0"/>
-              <a:t>ein Gefühl dafür entwickeln, </a:t>
-            </a:r>
-            <a:r>
-              <a:rPr lang="de-DE" dirty="0" smtClean="0"/>
-              <a:t>wie </a:t>
-            </a:r>
-            <a:r>
-              <a:rPr lang="de-DE" dirty="0"/>
-              <a:t>lange z. B. 25 Minuten sind und </a:t>
-            </a:r>
-            <a:r>
-              <a:rPr lang="de-DE" dirty="0" smtClean="0"/>
-              <a:t>wie viel </a:t>
-            </a:r>
-            <a:r>
-              <a:rPr lang="de-DE" dirty="0"/>
-              <a:t>ich in dieser Zeit wirklich </a:t>
-            </a:r>
-            <a:r>
-              <a:rPr lang="de-DE" dirty="0" smtClean="0"/>
-              <a:t>schaffe. </a:t>
-            </a:r>
-            <a:br>
-              <a:rPr lang="de-DE" dirty="0" smtClean="0"/>
-            </a:br>
-            <a:r>
-              <a:rPr lang="de-DE" dirty="0" smtClean="0"/>
-              <a:t>Wir nennen diese Zeitfenster „Tomaten“ nach der </a:t>
-            </a:r>
-            <a:r>
-              <a:rPr lang="de-DE" dirty="0" err="1"/>
-              <a:t>Pomodoro</a:t>
-            </a:r>
-            <a:r>
-              <a:rPr lang="de-DE" dirty="0"/>
-              <a:t> </a:t>
-            </a:r>
-            <a:r>
-              <a:rPr lang="de-DE" dirty="0" err="1"/>
-              <a:t>Technique</a:t>
-            </a:r>
-            <a:r>
-              <a:rPr lang="de-DE" dirty="0"/>
-              <a:t>® </a:t>
-            </a:r>
-            <a:r>
-              <a:rPr lang="de-DE" baseline="30000" dirty="0" smtClean="0"/>
-              <a:t>1 </a:t>
-            </a:r>
-            <a:r>
-              <a:rPr lang="de-DE" sz="1100" dirty="0"/>
-              <a:t>von </a:t>
-            </a:r>
-            <a:r>
-              <a:rPr lang="de-DE" sz="1100" dirty="0" smtClean="0"/>
-              <a:t>Francesco </a:t>
-            </a:r>
-            <a:r>
-              <a:rPr lang="de-DE" sz="1100" dirty="0" err="1"/>
-              <a:t>Cirillo</a:t>
-            </a:r>
-            <a:r>
-              <a:rPr lang="de-DE" sz="1100" dirty="0" smtClean="0"/>
+              <a:rPr lang="de-DE" sz="1200" dirty="0"/>
+              <a:t> zu stellen, der Dir ein Signal gibt, wann Dein Zeitfenster vorüber ist, hilft Dein Training messbar zu machen</a:t>
+            </a:r>
+            <a:r>
+              <a:rPr lang="de-DE" sz="1200" dirty="0" smtClean="0"/>
               <a:t>.</a:t>
             </a:r>
-            <a:endParaRPr lang="de-DE" sz="1100" dirty="0"/>
           </a:p>
           <a:p>
             <a:pPr>
@@ -1805,24 +2129,44 @@
                 <a:spcPct val="110000"/>
               </a:lnSpc>
               <a:spcBef>
-                <a:spcPts val="400"/>
+                <a:spcPts val="600"/>
               </a:spcBef>
             </a:pPr>
             <a:r>
-              <a:rPr lang="de-DE" dirty="0" smtClean="0"/>
-              <a:t>Eine Tomate kann auch 5 oder 10 Minuten dauern. 25 </a:t>
-            </a:r>
-            <a:r>
-              <a:rPr lang="de-DE" dirty="0"/>
-              <a:t>Minuten </a:t>
-            </a:r>
-            <a:r>
-              <a:rPr lang="de-DE" dirty="0" smtClean="0"/>
-              <a:t>haben sich </a:t>
-            </a:r>
-            <a:r>
-              <a:rPr lang="de-DE" dirty="0"/>
-              <a:t>bei kopflastigen Arbeiten als gute Konzentrationsspanne bewährt. Im Sport wäre für den Anfang sicher eine kürzere Tomate sinnvoll.</a:t>
+              <a:rPr lang="de-DE" sz="1200" dirty="0" smtClean="0"/>
+              <a:t>Ein </a:t>
+            </a:r>
+            <a:r>
+              <a:rPr lang="de-DE" sz="1200" dirty="0"/>
+              <a:t>Zeitfenster kann </a:t>
+            </a:r>
+            <a:r>
+              <a:rPr lang="de-DE" sz="1200" dirty="0" smtClean="0"/>
+              <a:t>fünf </a:t>
+            </a:r>
+            <a:r>
+              <a:rPr lang="de-DE" sz="1200"/>
+              <a:t>oder </a:t>
+            </a:r>
+            <a:r>
+              <a:rPr lang="de-DE" sz="1200" smtClean="0"/>
+              <a:t>zehn </a:t>
+            </a:r>
+            <a:r>
+              <a:rPr lang="de-DE" sz="1200" dirty="0"/>
+              <a:t>Minuten dauern. 25 Minuten haben sich bei kopflastigen Arbeiten </a:t>
+            </a:r>
+            <a:r>
+              <a:rPr lang="de-DE" sz="1200" dirty="0" smtClean="0"/>
+              <a:t>als </a:t>
+            </a:r>
+            <a:r>
+              <a:rPr lang="de-DE" sz="1200" dirty="0"/>
+              <a:t>guter Einstieg bewährt, bevor die Konzentration nachlässt</a:t>
+            </a:r>
+            <a:r>
+              <a:rPr lang="de-DE" sz="1200" dirty="0" smtClean="0"/>
+              <a:t>.</a:t>
             </a:r>
           </a:p>
           <a:p>
@@ -1831,36 +2175,20 @@
                 <a:spcPct val="110000"/>
               </a:lnSpc>
               <a:spcBef>
-                <a:spcPts val="400"/>
+                <a:spcPts val="600"/>
               </a:spcBef>
             </a:pPr>
             <a:r>
-              <a:rPr lang="de-DE" dirty="0" smtClean="0"/>
+              <a:rPr lang="de-DE" sz="1200" dirty="0" smtClean="0"/>
               <a:t>Es </a:t>
             </a:r>
             <a:r>
-              <a:rPr lang="de-DE" dirty="0"/>
-              <a:t>geht nicht </a:t>
-            </a:r>
-            <a:r>
-              <a:rPr lang="de-DE" dirty="0" smtClean="0"/>
-              <a:t>darum, </a:t>
-            </a:r>
-            <a:r>
-              <a:rPr lang="de-DE" dirty="0"/>
-              <a:t>25 min. mit Vollgas zu arbeiten, sondern </a:t>
-            </a:r>
-            <a:r>
-              <a:rPr lang="de-DE" dirty="0" smtClean="0"/>
-              <a:t>konzentriert in </a:t>
-            </a:r>
-            <a:r>
-              <a:rPr lang="de-DE" dirty="0"/>
-              <a:t>einen kontinuierlichen Fluss zu </a:t>
-            </a:r>
-            <a:r>
-              <a:rPr lang="de-DE" dirty="0" smtClean="0"/>
-              <a:t>kommen.</a:t>
+              <a:rPr lang="de-DE" sz="1200" dirty="0"/>
+              <a:t>geht in Deinen Zeitfenstern nicht darum, so schnell wie möglich zu arbeiten, sondern herauszufinden, was Du alles in einem bequemen Tempo schaffen kannst</a:t>
+            </a:r>
+            <a:r>
+              <a:rPr lang="de-DE" sz="1200" dirty="0" smtClean="0"/>
+              <a:t>.</a:t>
             </a:r>
           </a:p>
           <a:p>
@@ -1869,315 +2197,53 @@
                 <a:spcPct val="110000"/>
               </a:lnSpc>
               <a:spcBef>
-                <a:spcPts val="400"/>
+                <a:spcPts val="600"/>
               </a:spcBef>
             </a:pPr>
             <a:r>
-              <a:rPr lang="de-DE" dirty="0"/>
-              <a:t>Bei einem so genau definierten zeitlichen Rahmen kann ich feststellen, wie lange ich mich konzentrieren kann </a:t>
-            </a:r>
-            <a:r>
-              <a:rPr lang="de-DE" dirty="0" smtClean="0"/>
-              <a:t/>
-            </a:r>
-            <a:br>
-              <a:rPr lang="de-DE" dirty="0" smtClean="0"/>
-            </a:br>
-            <a:r>
-              <a:rPr lang="de-DE" dirty="0" smtClean="0"/>
-              <a:t>oder ob </a:t>
-            </a:r>
-            <a:r>
-              <a:rPr lang="de-DE" dirty="0"/>
-              <a:t>die gewählte Zeitspanne für gewisse Aufgaben zu kurz oder zu lang ist.</a:t>
-            </a:r>
-          </a:p>
-          <a:p>
-            <a:pPr>
-              <a:lnSpc>
-                <a:spcPct val="110000"/>
-              </a:lnSpc>
-              <a:spcBef>
-                <a:spcPts val="400"/>
-              </a:spcBef>
-            </a:pPr>
-            <a:r>
-              <a:rPr lang="de-DE" dirty="0" smtClean="0"/>
-              <a:t>Ich kann dabei auch vergleichen</a:t>
-            </a:r>
-            <a:r>
-              <a:rPr lang="de-DE" dirty="0"/>
-              <a:t>, wie es ist, wenn </a:t>
-            </a:r>
-            <a:r>
-              <a:rPr lang="de-DE" dirty="0" smtClean="0"/>
-              <a:t>ich mich </a:t>
-            </a:r>
-            <a:r>
-              <a:rPr lang="de-DE" dirty="0"/>
-              <a:t>nur auf eine Tätigkeit </a:t>
-            </a:r>
-            <a:r>
-              <a:rPr lang="de-DE" dirty="0" smtClean="0"/>
-              <a:t>konzentriere </a:t>
-            </a:r>
-            <a:r>
-              <a:rPr lang="de-DE" dirty="0"/>
-              <a:t>oder wenn </a:t>
-            </a:r>
-            <a:r>
-              <a:rPr lang="de-DE" dirty="0" smtClean="0"/>
-              <a:t/>
-            </a:r>
-            <a:br>
-              <a:rPr lang="de-DE" dirty="0" smtClean="0"/>
-            </a:br>
-            <a:r>
-              <a:rPr lang="de-DE" dirty="0" smtClean="0"/>
-              <a:t>ich mehrere Dinge gleichzeitig mache. </a:t>
-            </a:r>
-            <a:r>
-              <a:rPr lang="de-DE" dirty="0"/>
-              <a:t>Wann </a:t>
-            </a:r>
-            <a:r>
-              <a:rPr lang="de-DE" dirty="0" smtClean="0"/>
-              <a:t>bin ich effizienter </a:t>
-            </a:r>
-            <a:r>
-              <a:rPr lang="de-DE" dirty="0"/>
-              <a:t>und/oder effektiver?</a:t>
-            </a:r>
-          </a:p>
-          <a:p>
-            <a:pPr>
-              <a:lnSpc>
-                <a:spcPct val="110000"/>
-              </a:lnSpc>
-              <a:spcBef>
-                <a:spcPts val="400"/>
-              </a:spcBef>
-            </a:pPr>
-            <a:r>
-              <a:rPr lang="de-DE" dirty="0" smtClean="0"/>
-              <a:t>Ich </a:t>
-            </a:r>
-            <a:r>
-              <a:rPr lang="de-DE" dirty="0"/>
-              <a:t>bekomme eine Wahrnehmung dafür, ob ich Spaß bei einer Aufgabe hatte. Wenn die 25 Minuten schnell </a:t>
-            </a:r>
-            <a:r>
-              <a:rPr lang="de-DE" dirty="0" smtClean="0"/>
-              <a:t/>
-            </a:r>
-            <a:br>
-              <a:rPr lang="de-DE" dirty="0" smtClean="0"/>
-            </a:br>
-            <a:r>
-              <a:rPr lang="de-DE" dirty="0" smtClean="0"/>
-              <a:t>vergangen </a:t>
-            </a:r>
-            <a:r>
-              <a:rPr lang="de-DE" dirty="0"/>
-              <a:t>sind, weiß ich, dass ich etwas Cooles gemacht </a:t>
-            </a:r>
-            <a:r>
-              <a:rPr lang="de-DE" dirty="0" smtClean="0"/>
-              <a:t>habe. Ich </a:t>
-            </a:r>
-            <a:r>
-              <a:rPr lang="de-DE" dirty="0"/>
-              <a:t>merke auch, was „Zeitfresser“ sind, </a:t>
-            </a:r>
-            <a:r>
-              <a:rPr lang="de-DE" dirty="0" smtClean="0"/>
-              <a:t/>
-            </a:r>
-            <a:br>
-              <a:rPr lang="de-DE" dirty="0" smtClean="0"/>
-            </a:br>
-            <a:r>
-              <a:rPr lang="de-DE" dirty="0" smtClean="0"/>
-              <a:t>also </a:t>
-            </a:r>
-            <a:r>
-              <a:rPr lang="de-DE" dirty="0"/>
-              <a:t>Tätigkeiten, die weder besonders wichtig noch sehr effektiv sind, aber viel Zeit in Anspruch nehmen.</a:t>
-            </a:r>
-          </a:p>
-          <a:p>
-            <a:pPr>
-              <a:lnSpc>
-                <a:spcPct val="110000"/>
-              </a:lnSpc>
-              <a:spcBef>
-                <a:spcPts val="400"/>
-              </a:spcBef>
-            </a:pPr>
-            <a:r>
-              <a:rPr lang="de-DE" dirty="0" smtClean="0"/>
-              <a:t>Die Erinnerung, dass die Zeit um ist, kann als „Wecker“ dienen, wenn ich mich zu sehr in etwas verloren bzw. </a:t>
-            </a:r>
-            <a:br>
-              <a:rPr lang="de-DE" dirty="0" smtClean="0"/>
-            </a:br>
-            <a:r>
-              <a:rPr lang="de-DE" dirty="0" smtClean="0"/>
-              <a:t>verbissen habe.</a:t>
-            </a:r>
-          </a:p>
-          <a:p>
-            <a:pPr>
-              <a:lnSpc>
-                <a:spcPct val="110000"/>
-              </a:lnSpc>
-              <a:spcBef>
-                <a:spcPts val="400"/>
-              </a:spcBef>
-            </a:pPr>
-            <a:r>
-              <a:rPr lang="de-DE" dirty="0" smtClean="0"/>
-              <a:t>Am </a:t>
-            </a:r>
-            <a:r>
-              <a:rPr lang="de-DE" dirty="0"/>
-              <a:t>Ende der gemessenen Zeit ist die Reflexion wichtig: </a:t>
-            </a:r>
-          </a:p>
-          <a:p>
-            <a:pPr lvl="1">
-              <a:lnSpc>
-                <a:spcPct val="110000"/>
-              </a:lnSpc>
-              <a:spcBef>
-                <a:spcPts val="400"/>
-              </a:spcBef>
-            </a:pPr>
-            <a:r>
-              <a:rPr lang="de-DE" dirty="0"/>
-              <a:t>Wie ging es mir? </a:t>
-            </a:r>
-          </a:p>
-          <a:p>
-            <a:pPr lvl="1">
-              <a:lnSpc>
-                <a:spcPct val="110000"/>
-              </a:lnSpc>
-              <a:spcBef>
-                <a:spcPts val="400"/>
-              </a:spcBef>
-            </a:pPr>
-            <a:r>
-              <a:rPr lang="de-DE" dirty="0"/>
-              <a:t>Was genau habe ich alles geschafft?</a:t>
-            </a:r>
-          </a:p>
-          <a:p>
-            <a:pPr lvl="1">
-              <a:lnSpc>
-                <a:spcPct val="110000"/>
-              </a:lnSpc>
-              <a:spcBef>
-                <a:spcPts val="400"/>
-              </a:spcBef>
-            </a:pPr>
-            <a:r>
-              <a:rPr lang="de-DE" dirty="0"/>
-              <a:t>Habe ich weiterhin Lust auf meine Tätigkeit?</a:t>
-            </a:r>
-          </a:p>
-          <a:p>
-            <a:pPr lvl="1">
-              <a:lnSpc>
-                <a:spcPct val="110000"/>
-              </a:lnSpc>
-              <a:spcBef>
-                <a:spcPts val="400"/>
-              </a:spcBef>
-            </a:pPr>
-            <a:r>
-              <a:rPr lang="de-DE" dirty="0"/>
-              <a:t>Hat sich meine Konzentration verändert?</a:t>
-            </a:r>
-          </a:p>
-          <a:p>
-            <a:pPr>
-              <a:lnSpc>
-                <a:spcPct val="110000"/>
-              </a:lnSpc>
-              <a:spcBef>
-                <a:spcPts val="400"/>
-              </a:spcBef>
-            </a:pPr>
-            <a:endParaRPr lang="de-DE" dirty="0"/>
-          </a:p>
-        </p:txBody>
-      </p:sp>
-      <p:sp>
-        <p:nvSpPr>
-          <p:cNvPr id="2" name="Textfeld 1"/>
-          <p:cNvSpPr txBox="1"/>
-          <p:nvPr/>
-        </p:nvSpPr>
-        <p:spPr>
-          <a:xfrm>
-            <a:off x="5201920" y="4686515"/>
-            <a:ext cx="1706880" cy="338554"/>
-          </a:xfrm>
-          <a:prstGeom prst="rect">
-            <a:avLst/>
-          </a:prstGeom>
-          <a:noFill/>
-        </p:spPr>
-        <p:txBody>
-          <a:bodyPr wrap="square" rtlCol="0">
-            <a:spAutoFit/>
-          </a:bodyPr>
-          <a:lstStyle/>
-          <a:p>
-            <a:r>
-              <a:rPr lang="de-DE" sz="800" dirty="0">
-                <a:solidFill>
-                  <a:srgbClr val="5D5E5F"/>
-                </a:solidFill>
-                <a:latin typeface="Avenir Light"/>
-                <a:cs typeface="Avenir Light"/>
-              </a:rPr>
-              <a:t>1 </a:t>
-            </a:r>
-            <a:r>
-              <a:rPr lang="de-DE" sz="800" dirty="0" err="1">
-                <a:solidFill>
-                  <a:srgbClr val="5D5E5F"/>
-                </a:solidFill>
-                <a:latin typeface="Avenir Light"/>
-                <a:cs typeface="Avenir Light"/>
-              </a:rPr>
-              <a:t>www.pomodorotechnique.com</a:t>
-            </a:r>
-            <a:r>
-              <a:rPr lang="de-DE" sz="800" dirty="0">
-                <a:solidFill>
-                  <a:srgbClr val="5D5E5F"/>
-                </a:solidFill>
-                <a:latin typeface="Avenir Light"/>
-                <a:cs typeface="Avenir Light"/>
-              </a:rPr>
+              <a:rPr lang="de-DE" sz="1200" dirty="0" smtClean="0"/>
+              <a:t>Francesco </a:t>
+            </a:r>
+            <a:r>
+              <a:rPr lang="de-DE" sz="1200" dirty="0" err="1"/>
+              <a:t>Cirillo</a:t>
+            </a:r>
+            <a:r>
+              <a:rPr lang="de-DE" sz="1200" dirty="0"/>
+              <a:t>, der Erfinder der </a:t>
+            </a:r>
+            <a:r>
+              <a:rPr lang="de-DE" sz="1200" dirty="0" err="1"/>
+              <a:t>Pomodoro</a:t>
+            </a:r>
+            <a:r>
+              <a:rPr lang="de-DE" sz="1200" dirty="0"/>
               <a:t> </a:t>
             </a:r>
-            <a:endParaRPr lang="de-DE" sz="800" dirty="0">
-              <a:solidFill>
-                <a:srgbClr val="5D5E5F"/>
-              </a:solidFill>
-              <a:latin typeface="Avenir Light"/>
-              <a:cs typeface="Avenir Light"/>
-            </a:endParaRPr>
-          </a:p>
-          <a:p>
-            <a:endParaRPr lang="de-DE" sz="800" dirty="0">
-              <a:latin typeface="Avenir Light"/>
-              <a:cs typeface="Avenir Light"/>
-            </a:endParaRPr>
+            <a:r>
+              <a:rPr lang="de-DE" sz="1200" dirty="0" err="1"/>
+              <a:t>Technique</a:t>
+            </a:r>
+            <a:r>
+              <a:rPr lang="de-DE" sz="1200" dirty="0"/>
+              <a:t>® </a:t>
+            </a:r>
+            <a:r>
+              <a:rPr lang="de-DE" sz="1200" baseline="30000" dirty="0"/>
+              <a:t>1</a:t>
+            </a:r>
+            <a:r>
+              <a:rPr lang="de-DE" sz="1200" dirty="0"/>
+              <a:t>, nennt diese Zeitfenster „Tomaten“. Dabei geht er von 25 Minuten aus, denen eine </a:t>
+            </a:r>
+            <a:r>
+              <a:rPr lang="de-DE" sz="1200" dirty="0" smtClean="0"/>
+              <a:t>fünfminütige </a:t>
+            </a:r>
+            <a:r>
+              <a:rPr lang="de-DE" sz="1200" dirty="0"/>
+              <a:t>Pause folgt.</a:t>
+            </a:r>
           </a:p>
         </p:txBody>
       </p:sp>
@@ -2228,63 +2294,28 @@
           </a:bodyPr>
           <a:lstStyle/>
           <a:p>
-            <a:pPr>
-              <a:lnSpc>
-                <a:spcPts val="2000"/>
-              </a:lnSpc>
-              <a:spcBef>
-                <a:spcPts val="1000"/>
-              </a:spcBef>
-            </a:pPr>
             <a:r>
               <a:rPr lang="de-DE" sz="1200" dirty="0"/>
-              <a:t>Um Deine Wahrnehmung zu schulen, was Du in 25 </a:t>
-            </a:r>
+              <a:t>Nimm Dir für den Anfang die von Francesco </a:t>
+            </a:r>
+            <a:r>
+              <a:rPr lang="de-DE" sz="1200" dirty="0" err="1"/>
+              <a:t>Cirillio</a:t>
+            </a:r>
+            <a:r>
+              <a:rPr lang="de-DE" sz="1200" dirty="0"/>
+              <a:t> vorgeschlagene Zeitspanne von 25 Minuten. </a:t>
+            </a:r>
+            <a:endParaRPr lang="de-DE" sz="1200" dirty="0" smtClean="0"/>
+          </a:p>
+          <a:p>
             <a:r>
               <a:rPr lang="de-DE" sz="1200" dirty="0" smtClean="0"/>
-              <a:t>min. </a:t>
+              <a:t>Stelle </a:t>
             </a:r>
             <a:r>
               <a:rPr lang="de-DE" sz="1200" dirty="0"/>
-              <a:t>arbeitest, schaue Dir </a:t>
-            </a:r>
-            <a:r>
-              <a:rPr lang="de-DE" sz="1200" dirty="0" smtClean="0"/>
-              <a:t/>
-            </a:r>
-            <a:br>
-              <a:rPr lang="de-DE" sz="1200" dirty="0" smtClean="0"/>
-            </a:br>
-            <a:r>
-              <a:rPr lang="de-DE" sz="1200" dirty="0" smtClean="0"/>
-              <a:t>in </a:t>
-            </a:r>
-            <a:r>
-              <a:rPr lang="de-DE" sz="1200" dirty="0"/>
-              <a:t>2 Wochen mindestens 8 mal an, </a:t>
-            </a:r>
-            <a:r>
-              <a:rPr lang="de-DE" sz="1200" dirty="0" smtClean="0"/>
-              <a:t>wie viel </a:t>
-            </a:r>
-            <a:r>
-              <a:rPr lang="de-DE" sz="1200" dirty="0"/>
-              <a:t>Du in dieser Zeitspanne ohne besondere Anstrengung bewältigst. </a:t>
-            </a:r>
-            <a:r>
-              <a:rPr lang="de-DE" sz="1200" dirty="0" smtClean="0"/>
-              <a:t/>
-            </a:r>
-            <a:br>
-              <a:rPr lang="de-DE" sz="1200" dirty="0" smtClean="0"/>
-            </a:br>
-            <a:r>
-              <a:rPr lang="de-DE" sz="1200" dirty="0" smtClean="0"/>
-              <a:t>Dazu </a:t>
-            </a:r>
-            <a:r>
-              <a:rPr lang="de-DE" sz="1200" dirty="0"/>
-              <a:t>solltest Du einen Zeitmesser (Eieruhr, </a:t>
+              <a:t>Dir einen </a:t>
             </a:r>
             <a:r>
               <a:rPr lang="de-DE" sz="1200" dirty="0" err="1"/>
@@ -2292,51 +2323,29 @@
             </a:r>
             <a:r>
               <a:rPr lang="de-DE" sz="1200" dirty="0"/>
-              <a:t> etc.) nutzen, 25 min. einstellen und Dir beim Klingeln notieren, was Du alles in dieser Zeit gemacht hast und wie es Dir dabei ging.</a:t>
-            </a:r>
-          </a:p>
-          <a:p>
-            <a:pPr>
-              <a:lnSpc>
-                <a:spcPts val="2000"/>
-              </a:lnSpc>
-              <a:spcBef>
-                <a:spcPts val="1000"/>
-              </a:spcBef>
-            </a:pPr>
+              <a:t>, übe oder arbeite das, was gerade bei Dir anliegt. Notiere Dir nachdem der Wecker </a:t>
+            </a:r>
+            <a:r>
+              <a:rPr lang="de-DE" sz="1200"/>
+              <a:t>geklingelt </a:t>
+            </a:r>
+            <a:r>
+              <a:rPr lang="de-DE" sz="1200" smtClean="0"/>
+              <a:t>hat, </a:t>
+            </a:r>
+            <a:r>
+              <a:rPr lang="de-DE" sz="1200" dirty="0" err="1"/>
+              <a:t>wieviel</a:t>
+            </a:r>
             <a:r>
               <a:rPr lang="de-DE" sz="1200" dirty="0"/>
-              <a:t>In der zweiten Trainingswoche kannst du den Move TOM-01 </a:t>
-            </a:r>
-            <a:r>
-              <a:rPr lang="de-DE" sz="1200" dirty="0" smtClean="0"/>
-              <a:t/>
-            </a:r>
-            <a:br>
-              <a:rPr lang="de-DE" sz="1200" dirty="0" smtClean="0"/>
-            </a:br>
-            <a:r>
-              <a:rPr lang="de-DE" sz="1200" dirty="0" smtClean="0"/>
-              <a:t>(</a:t>
-            </a:r>
+              <a:t> Du geschafft hast.</a:t>
+            </a:r>
+          </a:p>
+          <a:p>
             <a:r>
               <a:rPr lang="de-DE" sz="1200" dirty="0"/>
-              <a:t>Aufdrehen, fertig, los!) parallel zu diesem Training machen. </a:t>
-            </a:r>
-            <a:r>
-              <a:rPr lang="de-DE" sz="1200" dirty="0" smtClean="0"/>
-              <a:t/>
-            </a:r>
-            <a:br>
-              <a:rPr lang="de-DE" sz="1200" dirty="0" smtClean="0"/>
-            </a:br>
-            <a:r>
-              <a:rPr lang="de-DE" sz="1200" dirty="0" smtClean="0"/>
-              <a:t>Wie </a:t>
-            </a:r>
-            <a:r>
-              <a:rPr lang="de-DE" sz="1200" dirty="0"/>
-              <a:t>geht es Dir bei den unterschiedlichen </a:t>
+              <a:t>Für die Zertifizierung dieses </a:t>
             </a:r>
             <a:r>
               <a:rPr lang="de-DE" sz="1200" dirty="0" err="1"/>
@@ -2344,49 +2353,37 @@
             </a:r>
             <a:r>
               <a:rPr lang="de-DE" sz="1200" dirty="0"/>
-              <a:t>? </a:t>
+              <a:t> brauchst Du in zwei Wochen </a:t>
             </a:r>
             <a:r>
               <a:rPr lang="de-DE" sz="1200" dirty="0" smtClean="0"/>
-              <a:t>Welche </a:t>
+              <a:t>acht </a:t>
             </a:r>
             <a:r>
               <a:rPr lang="de-DE" sz="1200" dirty="0"/>
-              <a:t>Erfahrungen von dem einem Move helfen Dir bei der Umsetzung des anderen?</a:t>
-            </a:r>
-          </a:p>
-          <a:p>
-            <a:pPr>
-              <a:lnSpc>
-                <a:spcPts val="2000"/>
-              </a:lnSpc>
-              <a:spcBef>
-                <a:spcPts val="1000"/>
-              </a:spcBef>
-            </a:pPr>
+              <a:t>Durchführungen dieser Zeitfenster.</a:t>
+            </a:r>
+          </a:p>
+          <a:p>
             <a:r>
               <a:rPr lang="de-DE" sz="1200" dirty="0"/>
-              <a:t>Besprich deine Erfahrungen nach zwei Wochen mit Deinem Team.</a:t>
-            </a:r>
-          </a:p>
-          <a:p>
-            <a:pPr marL="0" indent="0">
-              <a:lnSpc>
-                <a:spcPts val="2000"/>
-              </a:lnSpc>
-              <a:spcBef>
-                <a:spcPts val="1000"/>
-              </a:spcBef>
-              <a:buNone/>
-            </a:pPr>
-            <a:endParaRPr lang="de-DE" sz="1200" dirty="0"/>
+              <a:t>Teile Deine Dokumentation mit Deinem Team und lass </a:t>
+            </a:r>
+            <a:r>
+              <a:rPr lang="de-DE" sz="1200" dirty="0" smtClean="0"/>
+              <a:t>Dir </a:t>
+            </a:r>
+            <a:r>
+              <a:rPr lang="de-DE" sz="1200" dirty="0"/>
+              <a:t>Deine  Ergebnisse unterschreiben.</a:t>
+            </a:r>
           </a:p>
         </p:txBody>
       </p:sp>
     </p:spTree>
     <p:extLst>
       <p:ext uri="{BB962C8B-B14F-4D97-AF65-F5344CB8AC3E}">
-        <p14:creationId xmlns:p14="http://schemas.microsoft.com/office/powerpoint/2010/main" val="235302098"/>
+        <p14:creationId xmlns:p14="http://schemas.microsoft.com/office/powerpoint/2010/main" val="2446880878"/>
       </p:ext>
     </p:extLst>
   </p:cSld>
@@ -2397,7 +2394,7 @@
 </file>
 
 <file path=ppt/theme/theme1.xml><?xml version="1.0" encoding="utf-8"?>
-<a:theme xmlns:a="http://schemas.openxmlformats.org/drawingml/2006/main" name="ger_training_card_template">
+<a:theme xmlns:a="http://schemas.openxmlformats.org/drawingml/2006/main" name="ger_apprentice_training_card_template">
   <a:themeElements>
     <a:clrScheme name="Office">
       <a:dk1>

--- a/agile moves/Tomatoes (TOM)/ger/apprentice/ger_TOM_07_Wieviel_passt_in_eine_Tomate_AM_A.pptx
+++ b/agile moves/Tomatoes (TOM)/ger/apprentice/ger_TOM_07_Wieviel_passt_in_eine_Tomate_AM_A.pptx
@@ -1088,7 +1088,7 @@
           <a:p>
             <a:fld id="{FF5B2BAF-DF38-0A48-A798-0C06E514FD52}" type="datetimeFigureOut">
               <a:rPr lang="de-DE" smtClean="0"/>
-              <a:t>13.08.15</a:t>
+              <a:t>14.08.15</a:t>
             </a:fld>
             <a:endParaRPr lang="de-DE" dirty="0"/>
           </a:p>
@@ -1311,7 +1311,7 @@
           <a:p>
             <a:fld id="{FF5B2BAF-DF38-0A48-A798-0C06E514FD52}" type="datetimeFigureOut">
               <a:rPr lang="de-DE" smtClean="0"/>
-              <a:t>13.08.15</a:t>
+              <a:t>14.08.15</a:t>
             </a:fld>
             <a:endParaRPr lang="de-DE" dirty="0"/>
           </a:p>
@@ -2294,6 +2294,11 @@
           </a:bodyPr>
           <a:lstStyle/>
           <a:p>
+            <a:pPr>
+              <a:spcBef>
+                <a:spcPts val="2000"/>
+              </a:spcBef>
+            </a:pPr>
             <a:r>
               <a:rPr lang="de-DE" sz="1200" dirty="0"/>
               <a:t>Nimm Dir für den Anfang die von Francesco </a:t>
@@ -2309,6 +2314,11 @@
             <a:endParaRPr lang="de-DE" sz="1200" dirty="0" smtClean="0"/>
           </a:p>
           <a:p>
+            <a:pPr>
+              <a:spcBef>
+                <a:spcPts val="2000"/>
+              </a:spcBef>
+            </a:pPr>
             <a:r>
               <a:rPr lang="de-DE" sz="1200" dirty="0" smtClean="0"/>
               <a:t>Stelle </a:t>
@@ -2323,14 +2333,10 @@
             </a:r>
             <a:r>
               <a:rPr lang="de-DE" sz="1200" dirty="0"/>
-              <a:t>, übe oder arbeite das, was gerade bei Dir anliegt. Notiere Dir nachdem der Wecker </a:t>
-            </a:r>
-            <a:r>
-              <a:rPr lang="de-DE" sz="1200"/>
-              <a:t>geklingelt </a:t>
-            </a:r>
-            <a:r>
-              <a:rPr lang="de-DE" sz="1200" smtClean="0"/>
+              <a:t>, übe oder arbeite das, was gerade bei Dir anliegt. Notiere Dir nachdem der Wecker geklingelt </a:t>
+            </a:r>
+            <a:r>
+              <a:rPr lang="de-DE" sz="1200" dirty="0" smtClean="0"/>
               <a:t>hat, </a:t>
             </a:r>
             <a:r>
@@ -2343,6 +2349,11 @@
             </a:r>
           </a:p>
           <a:p>
+            <a:pPr>
+              <a:spcBef>
+                <a:spcPts val="2000"/>
+              </a:spcBef>
+            </a:pPr>
             <a:r>
               <a:rPr lang="de-DE" sz="1200" dirty="0"/>
               <a:t>Für die Zertifizierung dieses </a:t>
@@ -2365,9 +2376,29 @@
             </a:r>
           </a:p>
           <a:p>
+            <a:pPr>
+              <a:spcBef>
+                <a:spcPts val="2000"/>
+              </a:spcBef>
+            </a:pPr>
             <a:r>
               <a:rPr lang="de-DE" sz="1200" dirty="0"/>
-              <a:t>Teile Deine Dokumentation mit Deinem Team und lass </a:t>
+              <a:t>Teile Deine Dokumentation mit Deinem Team </a:t>
+            </a:r>
+            <a:r>
+              <a:rPr lang="de-DE" sz="1200"/>
+              <a:t>und </a:t>
+            </a:r>
+            <a:r>
+              <a:rPr lang="de-DE" sz="1200" smtClean="0"/>
+              <a:t/>
+            </a:r>
+            <a:br>
+              <a:rPr lang="de-DE" sz="1200" smtClean="0"/>
+            </a:br>
+            <a:r>
+              <a:rPr lang="de-DE" sz="1200" smtClean="0"/>
+              <a:t>lass </a:t>
             </a:r>
             <a:r>
               <a:rPr lang="de-DE" sz="1200" dirty="0" smtClean="0"/>

--- a/agile moves/Tomatoes (TOM)/ger/apprentice/ger_TOM_07_Wieviel_passt_in_eine_Tomate_AM_A.pptx
+++ b/agile moves/Tomatoes (TOM)/ger/apprentice/ger_TOM_07_Wieviel_passt_in_eine_Tomate_AM_A.pptx
@@ -2051,15 +2051,23 @@
           <a:p>
             <a:pPr>
               <a:lnSpc>
-                <a:spcPct val="150000"/>
+                <a:spcPts val="1600"/>
               </a:lnSpc>
               <a:spcBef>
-                <a:spcPts val="800"/>
+                <a:spcPts val="1000"/>
               </a:spcBef>
             </a:pPr>
             <a:r>
               <a:rPr lang="de-DE" sz="1200" dirty="0"/>
-              <a:t>Erfolgreiches Zeitmanagement braucht eine Wahrnehmung, was Du den ganzen Tag tust und </a:t>
+              <a:t>Erfolgreiches Zeitmanagement braucht eine Wahrnehmung, was Du den ganzen </a:t>
+            </a:r>
+            <a:r>
+              <a:rPr lang="de-DE" sz="1200" dirty="0"/>
+              <a:t>Tag tust </a:t>
+            </a:r>
+            <a:r>
+              <a:rPr lang="de-DE" sz="1200" dirty="0"/>
+              <a:t>und </a:t>
             </a:r>
             <a:r>
               <a:rPr lang="de-DE" sz="1200" dirty="0" err="1"/>
@@ -2069,15 +2077,15 @@
               <a:rPr lang="de-DE" sz="1200" dirty="0"/>
               <a:t> Zeit es kostet. </a:t>
             </a:r>
-            <a:endParaRPr lang="de-DE" sz="1200" dirty="0" smtClean="0"/>
+            <a:endParaRPr lang="de-DE" sz="1200" dirty="0"/>
           </a:p>
           <a:p>
             <a:pPr>
               <a:lnSpc>
-                <a:spcPct val="110000"/>
+                <a:spcPts val="1600"/>
               </a:lnSpc>
               <a:spcBef>
-                <a:spcPts val="600"/>
+                <a:spcPts val="1000"/>
               </a:spcBef>
             </a:pPr>
             <a:r>
@@ -2096,10 +2104,10 @@
           <a:p>
             <a:pPr>
               <a:lnSpc>
-                <a:spcPct val="110000"/>
+                <a:spcPts val="1600"/>
               </a:lnSpc>
               <a:spcBef>
-                <a:spcPts val="600"/>
+                <a:spcPts val="1000"/>
               </a:spcBef>
             </a:pPr>
             <a:r>
@@ -2126,10 +2134,10 @@
           <a:p>
             <a:pPr>
               <a:lnSpc>
-                <a:spcPct val="110000"/>
+                <a:spcPts val="1600"/>
               </a:lnSpc>
               <a:spcBef>
-                <a:spcPts val="600"/>
+                <a:spcPts val="1000"/>
               </a:spcBef>
             </a:pPr>
             <a:r>
@@ -2145,11 +2153,11 @@
               <a:t>fünf </a:t>
             </a:r>
             <a:r>
-              <a:rPr lang="de-DE" sz="1200"/>
+              <a:rPr lang="de-DE" sz="1200" dirty="0"/>
               <a:t>oder </a:t>
             </a:r>
             <a:r>
-              <a:rPr lang="de-DE" sz="1200" smtClean="0"/>
+              <a:rPr lang="de-DE" sz="1200" dirty="0" smtClean="0"/>
               <a:t>zehn </a:t>
             </a:r>
             <a:r>
@@ -2172,10 +2180,10 @@
           <a:p>
             <a:pPr>
               <a:lnSpc>
-                <a:spcPct val="110000"/>
+                <a:spcPts val="1600"/>
               </a:lnSpc>
               <a:spcBef>
-                <a:spcPts val="600"/>
+                <a:spcPts val="1000"/>
               </a:spcBef>
             </a:pPr>
             <a:r>
@@ -2194,10 +2202,10 @@
           <a:p>
             <a:pPr>
               <a:lnSpc>
-                <a:spcPct val="110000"/>
+                <a:spcPts val="1600"/>
               </a:lnSpc>
               <a:spcBef>
-                <a:spcPts val="600"/>
+                <a:spcPts val="1000"/>
               </a:spcBef>
             </a:pPr>
             <a:r>
@@ -2244,6 +2252,161 @@
               <a:rPr lang="de-DE" sz="1200" dirty="0"/>
               <a:t>Pause folgt.</a:t>
             </a:r>
+          </a:p>
+        </p:txBody>
+      </p:sp>
+      <p:sp>
+        <p:nvSpPr>
+          <p:cNvPr id="5" name="Fußzeilenplatzhalter 19"/>
+          <p:cNvSpPr txBox="1">
+            <a:spLocks/>
+          </p:cNvSpPr>
+          <p:nvPr/>
+        </p:nvSpPr>
+        <p:spPr>
+          <a:xfrm>
+            <a:off x="5086569" y="4776480"/>
+            <a:ext cx="1775894" cy="283817"/>
+          </a:xfrm>
+          <a:prstGeom prst="rect">
+            <a:avLst/>
+          </a:prstGeom>
+        </p:spPr>
+        <p:txBody>
+          <a:bodyPr/>
+          <a:lstStyle>
+            <a:defPPr>
+              <a:defRPr lang="de-DE"/>
+            </a:defPPr>
+            <a:lvl1pPr marL="0" algn="l" defTabSz="403388" rtl="0" eaLnBrk="1" latinLnBrk="0" hangingPunct="1">
+              <a:defRPr sz="1600" kern="1200">
+                <a:solidFill>
+                  <a:schemeClr val="tx1"/>
+                </a:solidFill>
+                <a:latin typeface="+mn-lt"/>
+                <a:ea typeface="+mn-ea"/>
+                <a:cs typeface="+mn-cs"/>
+              </a:defRPr>
+            </a:lvl1pPr>
+            <a:lvl2pPr marL="403388" algn="l" defTabSz="403388" rtl="0" eaLnBrk="1" latinLnBrk="0" hangingPunct="1">
+              <a:defRPr sz="1600" kern="1200">
+                <a:solidFill>
+                  <a:schemeClr val="tx1"/>
+                </a:solidFill>
+                <a:latin typeface="+mn-lt"/>
+                <a:ea typeface="+mn-ea"/>
+                <a:cs typeface="+mn-cs"/>
+              </a:defRPr>
+            </a:lvl2pPr>
+            <a:lvl3pPr marL="806775" algn="l" defTabSz="403388" rtl="0" eaLnBrk="1" latinLnBrk="0" hangingPunct="1">
+              <a:defRPr sz="1600" kern="1200">
+                <a:solidFill>
+                  <a:schemeClr val="tx1"/>
+                </a:solidFill>
+                <a:latin typeface="+mn-lt"/>
+                <a:ea typeface="+mn-ea"/>
+                <a:cs typeface="+mn-cs"/>
+              </a:defRPr>
+            </a:lvl3pPr>
+            <a:lvl4pPr marL="1210163" algn="l" defTabSz="403388" rtl="0" eaLnBrk="1" latinLnBrk="0" hangingPunct="1">
+              <a:defRPr sz="1600" kern="1200">
+                <a:solidFill>
+                  <a:schemeClr val="tx1"/>
+                </a:solidFill>
+                <a:latin typeface="+mn-lt"/>
+                <a:ea typeface="+mn-ea"/>
+                <a:cs typeface="+mn-cs"/>
+              </a:defRPr>
+            </a:lvl4pPr>
+            <a:lvl5pPr marL="1613550" algn="l" defTabSz="403388" rtl="0" eaLnBrk="1" latinLnBrk="0" hangingPunct="1">
+              <a:defRPr sz="1600" kern="1200">
+                <a:solidFill>
+                  <a:schemeClr val="tx1"/>
+                </a:solidFill>
+                <a:latin typeface="+mn-lt"/>
+                <a:ea typeface="+mn-ea"/>
+                <a:cs typeface="+mn-cs"/>
+              </a:defRPr>
+            </a:lvl5pPr>
+            <a:lvl6pPr marL="2016938" algn="l" defTabSz="403388" rtl="0" eaLnBrk="1" latinLnBrk="0" hangingPunct="1">
+              <a:defRPr sz="1600" kern="1200">
+                <a:solidFill>
+                  <a:schemeClr val="tx1"/>
+                </a:solidFill>
+                <a:latin typeface="+mn-lt"/>
+                <a:ea typeface="+mn-ea"/>
+                <a:cs typeface="+mn-cs"/>
+              </a:defRPr>
+            </a:lvl6pPr>
+            <a:lvl7pPr marL="2420325" algn="l" defTabSz="403388" rtl="0" eaLnBrk="1" latinLnBrk="0" hangingPunct="1">
+              <a:defRPr sz="1600" kern="1200">
+                <a:solidFill>
+                  <a:schemeClr val="tx1"/>
+                </a:solidFill>
+                <a:latin typeface="+mn-lt"/>
+                <a:ea typeface="+mn-ea"/>
+                <a:cs typeface="+mn-cs"/>
+              </a:defRPr>
+            </a:lvl7pPr>
+            <a:lvl8pPr marL="2823713" algn="l" defTabSz="403388" rtl="0" eaLnBrk="1" latinLnBrk="0" hangingPunct="1">
+              <a:defRPr sz="1600" kern="1200">
+                <a:solidFill>
+                  <a:schemeClr val="tx1"/>
+                </a:solidFill>
+                <a:latin typeface="+mn-lt"/>
+                <a:ea typeface="+mn-ea"/>
+                <a:cs typeface="+mn-cs"/>
+              </a:defRPr>
+            </a:lvl8pPr>
+            <a:lvl9pPr marL="3227100" algn="l" defTabSz="403388" rtl="0" eaLnBrk="1" latinLnBrk="0" hangingPunct="1">
+              <a:defRPr sz="1600" kern="1200">
+                <a:solidFill>
+                  <a:schemeClr val="tx1"/>
+                </a:solidFill>
+                <a:latin typeface="+mn-lt"/>
+                <a:ea typeface="+mn-ea"/>
+                <a:cs typeface="+mn-cs"/>
+              </a:defRPr>
+            </a:lvl9pPr>
+          </a:lstStyle>
+          <a:p>
+            <a:r>
+              <a:rPr lang="de-DE" sz="900" baseline="30000" dirty="0" smtClean="0">
+                <a:solidFill>
+                  <a:schemeClr val="bg1">
+                    <a:lumMod val="65000"/>
+                  </a:schemeClr>
+                </a:solidFill>
+              </a:rPr>
+              <a:t>1</a:t>
+            </a:r>
+            <a:r>
+              <a:rPr lang="de-DE" sz="900" dirty="0" smtClean="0">
+                <a:solidFill>
+                  <a:schemeClr val="bg1">
+                    <a:lumMod val="65000"/>
+                  </a:schemeClr>
+                </a:solidFill>
+              </a:rPr>
+              <a:t>  </a:t>
+            </a:r>
+            <a:r>
+              <a:rPr lang="de-DE" sz="900" dirty="0" err="1" smtClean="0">
+                <a:solidFill>
+                  <a:schemeClr val="bg1">
+                    <a:lumMod val="65000"/>
+                  </a:schemeClr>
+                </a:solidFill>
+              </a:rPr>
+              <a:t>www.pomodorotechnique.com</a:t>
+            </a:r>
+            <a:endParaRPr lang="de-DE" sz="900" dirty="0">
+              <a:solidFill>
+                <a:schemeClr val="bg1">
+                  <a:lumMod val="65000"/>
+                </a:schemeClr>
+              </a:solidFill>
+            </a:endParaRPr>
           </a:p>
         </p:txBody>
       </p:sp>
